--- a/angular_project_part1.pptx
+++ b/angular_project_part1.pptx
@@ -8944,6 +8944,11 @@
             <a:endParaRPr lang="en-US" dirty="0" smtClean="0"/>
           </a:p>
           <a:p>
+            <a:pPr>
+              <a:spcAft>
+                <a:spcPts val="600"/>
+              </a:spcAft>
+            </a:pPr>
             <a:r>
               <a:rPr lang="en-US" dirty="0" smtClean="0"/>
               <a:t>Install Angular-cli</a:t>
@@ -8952,16 +8957,25 @@
           <a:p>
             <a:pPr lvl="1"/>
             <a:r>
-              <a:rPr lang="en-US" dirty="0" err="1"/>
+              <a:rPr lang="en-US" sz="2000" dirty="0" err="1">
+                <a:latin typeface="Courier New" panose="02070309020205020404" pitchFamily="49" charset="0"/>
+                <a:cs typeface="Courier New" panose="02070309020205020404" pitchFamily="49" charset="0"/>
+              </a:rPr>
               <a:t>n</a:t>
             </a:r>
             <a:r>
-              <a:rPr lang="en-US" dirty="0" err="1" smtClean="0"/>
+              <a:rPr lang="en-US" sz="2000" dirty="0" err="1" smtClean="0">
+                <a:latin typeface="Courier New" panose="02070309020205020404" pitchFamily="49" charset="0"/>
+                <a:cs typeface="Courier New" panose="02070309020205020404" pitchFamily="49" charset="0"/>
+              </a:rPr>
               <a:t>pm</a:t>
             </a:r>
             <a:r>
-              <a:rPr lang="en-US" dirty="0" smtClean="0"/>
-              <a:t> install --g @angular/cli</a:t>
+              <a:rPr lang="en-US" sz="2000" dirty="0" smtClean="0">
+                <a:latin typeface="Courier New" panose="02070309020205020404" pitchFamily="49" charset="0"/>
+                <a:cs typeface="Courier New" panose="02070309020205020404" pitchFamily="49" charset="0"/>
+              </a:rPr>
+              <a:t> install -g @angular/cli</a:t>
             </a:r>
           </a:p>
           <a:p>
@@ -8971,6 +8985,11 @@
             <a:endParaRPr lang="en-US" dirty="0" smtClean="0"/>
           </a:p>
           <a:p>
+            <a:pPr>
+              <a:spcAft>
+                <a:spcPts val="600"/>
+              </a:spcAft>
+            </a:pPr>
             <a:r>
               <a:rPr lang="en-US" dirty="0" smtClean="0"/>
               <a:t>Create new project</a:t>
@@ -8979,28 +8998,43 @@
           <a:p>
             <a:pPr lvl="1"/>
             <a:r>
-              <a:rPr lang="en-US" dirty="0" smtClean="0"/>
+              <a:rPr lang="en-US" sz="2000" dirty="0" smtClean="0">
+                <a:latin typeface="Courier New" panose="02070309020205020404" pitchFamily="49" charset="0"/>
+                <a:cs typeface="Courier New" panose="02070309020205020404" pitchFamily="49" charset="0"/>
+              </a:rPr>
               <a:t>ng new inventory-management</a:t>
             </a:r>
           </a:p>
           <a:p>
             <a:pPr lvl="1"/>
             <a:r>
-              <a:rPr lang="en-US" dirty="0"/>
+              <a:rPr lang="en-US" sz="2000" dirty="0">
+                <a:latin typeface="Courier New" panose="02070309020205020404" pitchFamily="49" charset="0"/>
+                <a:cs typeface="Courier New" panose="02070309020205020404" pitchFamily="49" charset="0"/>
+              </a:rPr>
               <a:t>c</a:t>
             </a:r>
             <a:r>
-              <a:rPr lang="en-US" dirty="0" smtClean="0"/>
+              <a:rPr lang="en-US" sz="2000" dirty="0" smtClean="0">
+                <a:latin typeface="Courier New" panose="02070309020205020404" pitchFamily="49" charset="0"/>
+                <a:cs typeface="Courier New" panose="02070309020205020404" pitchFamily="49" charset="0"/>
+              </a:rPr>
               <a:t>d inventory-management</a:t>
             </a:r>
           </a:p>
           <a:p>
             <a:pPr lvl="1"/>
             <a:r>
-              <a:rPr lang="en-US" dirty="0" smtClean="0"/>
+              <a:rPr lang="en-US" sz="2000" dirty="0" smtClean="0">
+                <a:latin typeface="Courier New" panose="02070309020205020404" pitchFamily="49" charset="0"/>
+                <a:cs typeface="Courier New" panose="02070309020205020404" pitchFamily="49" charset="0"/>
+              </a:rPr>
               <a:t>ng serve</a:t>
             </a:r>
-            <a:endParaRPr lang="en-US" dirty="0"/>
+            <a:endParaRPr lang="en-US" sz="2000" dirty="0">
+              <a:latin typeface="Courier New" panose="02070309020205020404" pitchFamily="49" charset="0"/>
+              <a:cs typeface="Courier New" panose="02070309020205020404" pitchFamily="49" charset="0"/>
+            </a:endParaRPr>
           </a:p>
         </p:txBody>
       </p:sp>
@@ -9229,6 +9263,11 @@
           <a:bodyPr/>
           <a:lstStyle/>
           <a:p>
+            <a:pPr>
+              <a:spcAft>
+                <a:spcPts val="600"/>
+              </a:spcAft>
+            </a:pPr>
             <a:r>
               <a:rPr lang="en-US" dirty="0" smtClean="0">
                 <a:hlinkClick r:id="rId2"/>
@@ -9245,46 +9284,109 @@
               <a:rPr lang="en-US" dirty="0" smtClean="0">
                 <a:hlinkClick r:id="rId2"/>
               </a:rPr>
-              <a:t>ootstrap Via NPM</a:t>
-            </a:r>
-            <a:endParaRPr lang="en-US" dirty="0"/>
-          </a:p>
-          <a:p>
-            <a:pPr lvl="1"/>
+              <a:t>ootstrap Via </a:t>
+            </a:r>
+            <a:r>
+              <a:rPr lang="en-US" dirty="0" smtClean="0">
+                <a:hlinkClick r:id="rId2"/>
+              </a:rPr>
+              <a:t>NPM</a:t>
+            </a:r>
+            <a:endParaRPr lang="en-US" sz="2000" dirty="0">
+              <a:latin typeface="Courier New" panose="02070309020205020404" pitchFamily="49" charset="0"/>
+              <a:cs typeface="Courier New" panose="02070309020205020404" pitchFamily="49" charset="0"/>
+            </a:endParaRPr>
+          </a:p>
+          <a:p>
+            <a:pPr lvl="1">
+              <a:spcAft>
+                <a:spcPts val="600"/>
+              </a:spcAft>
+            </a:pPr>
+            <a:r>
+              <a:rPr lang="en-US" sz="2000" dirty="0" err="1" smtClean="0">
+                <a:latin typeface="Courier New" panose="02070309020205020404" pitchFamily="49" charset="0"/>
+                <a:cs typeface="Courier New" panose="02070309020205020404" pitchFamily="49" charset="0"/>
+              </a:rPr>
+              <a:t>npm</a:t>
+            </a:r>
+            <a:r>
+              <a:rPr lang="en-US" sz="2000" dirty="0" smtClean="0">
+                <a:latin typeface="Courier New" panose="02070309020205020404" pitchFamily="49" charset="0"/>
+                <a:cs typeface="Courier New" panose="02070309020205020404" pitchFamily="49" charset="0"/>
+              </a:rPr>
+              <a:t> </a:t>
+            </a:r>
+            <a:r>
+              <a:rPr lang="en-US" sz="2000" dirty="0">
+                <a:latin typeface="Courier New" panose="02070309020205020404" pitchFamily="49" charset="0"/>
+                <a:cs typeface="Courier New" panose="02070309020205020404" pitchFamily="49" charset="0"/>
+              </a:rPr>
+              <a:t>install bootstrap@4.0.0-alpha.6 </a:t>
+            </a:r>
+            <a:r>
+              <a:rPr lang="en-US" sz="2000" dirty="0" err="1" smtClean="0">
+                <a:latin typeface="Courier New" panose="02070309020205020404" pitchFamily="49" charset="0"/>
+                <a:cs typeface="Courier New" panose="02070309020205020404" pitchFamily="49" charset="0"/>
+              </a:rPr>
+              <a:t>jquery</a:t>
+            </a:r>
+            <a:r>
+              <a:rPr lang="en-US" sz="2000" dirty="0" smtClean="0">
+                <a:latin typeface="Courier New" panose="02070309020205020404" pitchFamily="49" charset="0"/>
+                <a:cs typeface="Courier New" panose="02070309020205020404" pitchFamily="49" charset="0"/>
+              </a:rPr>
+              <a:t> --save</a:t>
+            </a:r>
+          </a:p>
+          <a:p>
+            <a:pPr marL="452956" lvl="1" indent="0">
+              <a:buNone/>
+            </a:pPr>
+            <a:endParaRPr lang="en-US" dirty="0" smtClean="0"/>
+          </a:p>
+          <a:p>
+            <a:pPr>
+              <a:spcAft>
+                <a:spcPts val="1200"/>
+              </a:spcAft>
+            </a:pPr>
+            <a:r>
+              <a:rPr lang="en-US" dirty="0" smtClean="0"/>
+              <a:t>Including </a:t>
+            </a:r>
+            <a:r>
+              <a:rPr lang="en-US" dirty="0" err="1" smtClean="0"/>
+              <a:t>css</a:t>
+            </a:r>
+            <a:r>
+              <a:rPr lang="en-US" dirty="0" smtClean="0"/>
+              <a:t> and </a:t>
+            </a:r>
+            <a:r>
+              <a:rPr lang="en-US" dirty="0" err="1" smtClean="0"/>
+              <a:t>js</a:t>
+            </a:r>
+            <a:r>
+              <a:rPr lang="en-US" dirty="0" smtClean="0"/>
+              <a:t> files to </a:t>
+            </a:r>
             <a:r>
               <a:rPr lang="en-US" dirty="0"/>
-              <a:t>npm</a:t>
+              <a:t>angular-</a:t>
+            </a:r>
+            <a:r>
+              <a:rPr lang="en-US" dirty="0" err="1"/>
+              <a:t>cli.json</a:t>
             </a:r>
             <a:r>
               <a:rPr lang="en-US" dirty="0"/>
-              <a:t> install bootstrap@4.0.0-alpha.6 </a:t>
-            </a:r>
-            <a:r>
-              <a:rPr lang="en-US" dirty="0" err="1" smtClean="0"/>
-              <a:t>jquery</a:t>
+              <a:t> </a:t>
             </a:r>
             <a:r>
               <a:rPr lang="en-US" dirty="0" smtClean="0"/>
-              <a:t> –save</a:t>
-            </a:r>
-          </a:p>
-          <a:p>
-            <a:pPr lvl="1"/>
-            <a:r>
-              <a:rPr lang="en-US" dirty="0" smtClean="0"/>
-              <a:t>Add the following to angular-</a:t>
-            </a:r>
-            <a:r>
-              <a:rPr lang="en-US" dirty="0" err="1" smtClean="0"/>
-              <a:t>cli.json</a:t>
-            </a:r>
-            <a:r>
-              <a:rPr lang="en-US" dirty="0" smtClean="0"/>
-              <a:t> file:</a:t>
-            </a:r>
-          </a:p>
-          <a:p>
-            <a:pPr lvl="1"/>
+              <a:t>file</a:t>
+            </a:r>
             <a:endParaRPr lang="en-US" dirty="0" smtClean="0"/>
           </a:p>
           <a:p>
@@ -9585,7 +9687,7 @@
         </p:blipFill>
         <p:spPr>
           <a:xfrm>
-            <a:off x="7915867" y="1109365"/>
+            <a:off x="8718471" y="1572972"/>
             <a:ext cx="3286125" cy="2209800"/>
           </a:xfrm>
           <a:prstGeom prst="rect">
@@ -9775,20 +9877,36 @@
             </a:r>
             <a:r>
               <a:rPr lang="en-US" dirty="0" smtClean="0"/>
-              <a:t>, etc.</a:t>
+              <a:t>, etc</a:t>
+            </a:r>
+            <a:r>
+              <a:rPr lang="en-US" dirty="0" smtClean="0"/>
+              <a:t>.</a:t>
             </a:r>
             <a:endParaRPr lang="en-US" dirty="0"/>
           </a:p>
           <a:p>
+            <a:pPr>
+              <a:spcAft>
+                <a:spcPts val="600"/>
+              </a:spcAft>
+            </a:pPr>
             <a:r>
               <a:rPr lang="en-US" dirty="0" smtClean="0"/>
-              <a:t>Installing ng-</a:t>
+              <a:t>Installing </a:t>
+            </a:r>
+            <a:r>
+              <a:rPr lang="en-US" dirty="0" smtClean="0"/>
+              <a:t>ng-</a:t>
             </a:r>
             <a:r>
               <a:rPr lang="en-US" dirty="0" err="1" smtClean="0"/>
               <a:t>boostrap</a:t>
             </a:r>
-            <a:endParaRPr lang="en-US" dirty="0" smtClean="0"/>
+            <a:endParaRPr lang="en-US" sz="2000" dirty="0">
+              <a:latin typeface="Courier New" panose="02070309020205020404" pitchFamily="49" charset="0"/>
+              <a:cs typeface="Courier New" panose="02070309020205020404" pitchFamily="49" charset="0"/>
+            </a:endParaRPr>
           </a:p>
           <a:p>
             <a:pPr lvl="1">
@@ -9797,17 +9915,42 @@
               </a:spcAft>
             </a:pPr>
             <a:r>
-              <a:rPr lang="en-US" dirty="0"/>
+              <a:rPr lang="en-US" sz="2000" dirty="0" err="1" smtClean="0">
+                <a:latin typeface="Courier New" panose="02070309020205020404" pitchFamily="49" charset="0"/>
+                <a:cs typeface="Courier New" panose="02070309020205020404" pitchFamily="49" charset="0"/>
+              </a:rPr>
               <a:t>npm</a:t>
             </a:r>
             <a:r>
-              <a:rPr lang="en-US" dirty="0"/>
-              <a:t> install --save @</a:t>
-            </a:r>
-            <a:r>
-              <a:rPr lang="en-US" dirty="0" smtClean="0"/>
+              <a:rPr lang="en-US" sz="2000" dirty="0" smtClean="0">
+                <a:latin typeface="Courier New" panose="02070309020205020404" pitchFamily="49" charset="0"/>
+                <a:cs typeface="Courier New" panose="02070309020205020404" pitchFamily="49" charset="0"/>
+              </a:rPr>
+              <a:t> </a:t>
+            </a:r>
+            <a:r>
+              <a:rPr lang="en-US" sz="2000" dirty="0">
+                <a:latin typeface="Courier New" panose="02070309020205020404" pitchFamily="49" charset="0"/>
+                <a:cs typeface="Courier New" panose="02070309020205020404" pitchFamily="49" charset="0"/>
+              </a:rPr>
+              <a:t>install --save @</a:t>
+            </a:r>
+            <a:r>
+              <a:rPr lang="en-US" sz="2000" dirty="0" smtClean="0">
+                <a:latin typeface="Courier New" panose="02070309020205020404" pitchFamily="49" charset="0"/>
+                <a:cs typeface="Courier New" panose="02070309020205020404" pitchFamily="49" charset="0"/>
+              </a:rPr>
               <a:t>ng-bootstrap/ng-bootstrap</a:t>
             </a:r>
+          </a:p>
+          <a:p>
+            <a:pPr marL="0" indent="0">
+              <a:buNone/>
+            </a:pPr>
+            <a:endParaRPr lang="en-US" sz="2000" dirty="0" smtClean="0">
+              <a:latin typeface="Courier New" panose="02070309020205020404" pitchFamily="49" charset="0"/>
+              <a:cs typeface="Courier New" panose="02070309020205020404" pitchFamily="49" charset="0"/>
+            </a:endParaRPr>
           </a:p>
           <a:p>
             <a:pPr>
@@ -10031,7 +10174,7 @@
         </p:blipFill>
         <p:spPr>
           <a:xfrm>
-            <a:off x="8135604" y="1241665"/>
+            <a:off x="8614941" y="1642498"/>
             <a:ext cx="2916990" cy="2773384"/>
           </a:xfrm>
           <a:prstGeom prst="rect">
@@ -10340,14 +10483,7 @@
                 <a:latin typeface="Courier New" panose="02070309020205020404" pitchFamily="49" charset="0"/>
                 <a:cs typeface="Courier New" panose="02070309020205020404" pitchFamily="49" charset="0"/>
               </a:rPr>
-              <a:t>component: </a:t>
-            </a:r>
-            <a:r>
-              <a:rPr lang="en-US" sz="2000" dirty="0">
-                <a:latin typeface="Courier New" panose="02070309020205020404" pitchFamily="49" charset="0"/>
-                <a:cs typeface="Courier New" panose="02070309020205020404" pitchFamily="49" charset="0"/>
-              </a:rPr>
-              <a:t>InventoryComponent },</a:t>
+              <a:t>component: InventoryComponent },</a:t>
             </a:r>
           </a:p>
           <a:p>
@@ -10646,6 +10782,11 @@
           <a:bodyPr/>
           <a:lstStyle/>
           <a:p>
+            <a:pPr>
+              <a:spcAft>
+                <a:spcPts val="600"/>
+              </a:spcAft>
+            </a:pPr>
             <a:r>
               <a:rPr lang="en-US" dirty="0" smtClean="0"/>
               <a:t>*</a:t>
@@ -10862,6 +11003,11 @@
             </a:endParaRPr>
           </a:p>
           <a:p>
+            <a:pPr>
+              <a:spcAft>
+                <a:spcPts val="600"/>
+              </a:spcAft>
+            </a:pPr>
             <a:r>
               <a:rPr lang="en-US" dirty="0" smtClean="0"/>
               <a:t>*</a:t>
@@ -10881,14 +11027,7 @@
                 <a:latin typeface="Courier New" panose="02070309020205020404" pitchFamily="49" charset="0"/>
                 <a:cs typeface="Courier New" panose="02070309020205020404" pitchFamily="49" charset="0"/>
               </a:rPr>
-              <a:t>&lt;ul</a:t>
-            </a:r>
-            <a:r>
-              <a:rPr lang="en-US" sz="2000" dirty="0">
-                <a:latin typeface="Courier New" panose="02070309020205020404" pitchFamily="49" charset="0"/>
-                <a:cs typeface="Courier New" panose="02070309020205020404" pitchFamily="49" charset="0"/>
-              </a:rPr>
-              <a:t>&gt; </a:t>
+              <a:t>&lt;ul&gt; </a:t>
             </a:r>
             <a:endParaRPr lang="en-US" sz="2000" dirty="0" smtClean="0">
               <a:latin typeface="Courier New" panose="02070309020205020404" pitchFamily="49" charset="0"/>
@@ -10918,21 +11057,7 @@
                 <a:latin typeface="Courier New" panose="02070309020205020404" pitchFamily="49" charset="0"/>
                 <a:cs typeface="Courier New" panose="02070309020205020404" pitchFamily="49" charset="0"/>
               </a:rPr>
-              <a:t>li *</a:t>
-            </a:r>
-            <a:r>
-              <a:rPr lang="en-US" sz="2000" dirty="0">
-                <a:latin typeface="Courier New" panose="02070309020205020404" pitchFamily="49" charset="0"/>
-                <a:cs typeface="Courier New" panose="02070309020205020404" pitchFamily="49" charset="0"/>
-              </a:rPr>
-              <a:t>ngFor</a:t>
-            </a:r>
-            <a:r>
-              <a:rPr lang="en-US" sz="2000" dirty="0">
-                <a:latin typeface="Courier New" panose="02070309020205020404" pitchFamily="49" charset="0"/>
-                <a:cs typeface="Courier New" panose="02070309020205020404" pitchFamily="49" charset="0"/>
-              </a:rPr>
-              <a:t>="let </a:t>
+              <a:t>li *ngFor="let </a:t>
             </a:r>
             <a:r>
               <a:rPr lang="en-US" sz="2000" dirty="0" smtClean="0">
@@ -10986,14 +11111,7 @@
                 <a:latin typeface="Courier New" panose="02070309020205020404" pitchFamily="49" charset="0"/>
                 <a:cs typeface="Courier New" panose="02070309020205020404" pitchFamily="49" charset="0"/>
               </a:rPr>
-              <a:t>ul</a:t>
-            </a:r>
-            <a:r>
-              <a:rPr lang="en-US" sz="2000" dirty="0">
-                <a:latin typeface="Courier New" panose="02070309020205020404" pitchFamily="49" charset="0"/>
-                <a:cs typeface="Courier New" panose="02070309020205020404" pitchFamily="49" charset="0"/>
-              </a:rPr>
-              <a:t>&gt;</a:t>
+              <a:t>ul&gt;</a:t>
             </a:r>
           </a:p>
         </p:txBody>
@@ -11056,8 +11174,8 @@
           <a:lstStyle/>
           <a:p>
             <a:r>
-              <a:rPr lang="en-US" dirty="0" smtClean="0"/>
-              <a:t>Recourses</a:t>
+              <a:rPr lang="en-US" smtClean="0"/>
+              <a:t>References</a:t>
             </a:r>
             <a:endParaRPr lang="en-US" dirty="0"/>
           </a:p>
